--- a/Präsentation/SPY-Projekt-Ideen.pptx
+++ b/Präsentation/SPY-Projekt-Ideen.pptx
@@ -5315,13 +5315,13 @@
   <p:clrMapOvr>
     <a:masterClrMapping/>
   </p:clrMapOvr>
-  <mc:AlternateContent xmlns:mc="http://schemas.openxmlformats.org/markup-compatibility/2006">
-    <mc:Choice xmlns:p159="http://schemas.microsoft.com/office/powerpoint/2015/09/main" Requires="p159">
+  <mc:AlternateContent xmlns:mc="http://schemas.openxmlformats.org/markup-compatibility/2006" xmlns:p159="http://schemas.microsoft.com/office/powerpoint/2015/09/main">
+    <mc:Choice Requires="p159">
       <p:transition xmlns:p14="http://schemas.microsoft.com/office/powerpoint/2010/main" spd="slow" p14:dur="2000">
         <p159:morph option="byObject"/>
       </p:transition>
     </mc:Choice>
-    <mc:Fallback>
+    <mc:Fallback xmlns="">
       <p:transition spd="slow">
         <p:fade/>
       </p:transition>
@@ -6234,13 +6234,13 @@
   <p:clrMapOvr>
     <a:masterClrMapping/>
   </p:clrMapOvr>
-  <mc:AlternateContent xmlns:mc="http://schemas.openxmlformats.org/markup-compatibility/2006">
-    <mc:Choice xmlns:p159="http://schemas.microsoft.com/office/powerpoint/2015/09/main" Requires="p159">
+  <mc:AlternateContent xmlns:mc="http://schemas.openxmlformats.org/markup-compatibility/2006" xmlns:p159="http://schemas.microsoft.com/office/powerpoint/2015/09/main">
+    <mc:Choice Requires="p159">
       <p:transition xmlns:p14="http://schemas.microsoft.com/office/powerpoint/2010/main" spd="slow" p14:dur="2000">
         <p159:morph option="byObject"/>
       </p:transition>
     </mc:Choice>
-    <mc:Fallback>
+    <mc:Fallback xmlns="">
       <p:transition spd="slow">
         <p:fade/>
       </p:transition>
@@ -7316,13 +7316,13 @@
   <p:clrMapOvr>
     <a:masterClrMapping/>
   </p:clrMapOvr>
-  <mc:AlternateContent xmlns:mc="http://schemas.openxmlformats.org/markup-compatibility/2006">
-    <mc:Choice xmlns:p159="http://schemas.microsoft.com/office/powerpoint/2015/09/main" Requires="p159">
+  <mc:AlternateContent xmlns:mc="http://schemas.openxmlformats.org/markup-compatibility/2006" xmlns:p159="http://schemas.microsoft.com/office/powerpoint/2015/09/main">
+    <mc:Choice Requires="p159">
       <p:transition xmlns:p14="http://schemas.microsoft.com/office/powerpoint/2010/main" spd="slow" p14:dur="2000">
         <p159:morph option="byObject"/>
       </p:transition>
     </mc:Choice>
-    <mc:Fallback>
+    <mc:Fallback xmlns="">
       <p:transition spd="slow">
         <p:fade/>
       </p:transition>

--- a/Präsentation/SPY-Projekt-Ideen.pptx
+++ b/Präsentation/SPY-Projekt-Ideen.pptx
@@ -205,7 +205,7 @@
           <a:p>
             <a:fld id="{4CCADED4-F81C-DE4E-AAED-B7FD031B488B}" type="datetimeFigureOut">
               <a:rPr lang="en-AT" smtClean="0"/>
-              <a:t>27.09.21</a:t>
+              <a:t>09/29/2021</a:t>
             </a:fld>
             <a:endParaRPr lang="en-AT"/>
           </a:p>
@@ -364,7 +364,7 @@
           <a:p>
             <a:fld id="{553C3E85-E8BE-7542-A8D8-4F0AEBC4074D}" type="slidenum">
               <a:rPr lang="en-AT" smtClean="0"/>
-              <a:t>‹#›</a:t>
+              <a:t>‹Nr.›</a:t>
             </a:fld>
             <a:endParaRPr lang="en-AT"/>
           </a:p>
@@ -1210,7 +1210,7 @@
           <a:p>
             <a:fld id="{B2820DA7-63D1-EC42-9A7D-9F0F901057CA}" type="datetimeFigureOut">
               <a:rPr lang="en-AT" smtClean="0"/>
-              <a:t>27.09.21</a:t>
+              <a:t>09/29/2021</a:t>
             </a:fld>
             <a:endParaRPr lang="en-AT"/>
           </a:p>
@@ -1264,7 +1264,7 @@
           <a:p>
             <a:fld id="{D52D774A-D523-1049-AF40-B96A0B621DD8}" type="slidenum">
               <a:rPr lang="en-AT" smtClean="0"/>
-              <a:t>‹#›</a:t>
+              <a:t>‹Nr.›</a:t>
             </a:fld>
             <a:endParaRPr lang="en-AT"/>
           </a:p>
@@ -1410,7 +1410,7 @@
           <a:p>
             <a:fld id="{B2820DA7-63D1-EC42-9A7D-9F0F901057CA}" type="datetimeFigureOut">
               <a:rPr lang="en-AT" smtClean="0"/>
-              <a:t>27.09.21</a:t>
+              <a:t>09/29/2021</a:t>
             </a:fld>
             <a:endParaRPr lang="en-AT"/>
           </a:p>
@@ -1464,7 +1464,7 @@
           <a:p>
             <a:fld id="{D52D774A-D523-1049-AF40-B96A0B621DD8}" type="slidenum">
               <a:rPr lang="en-AT" smtClean="0"/>
-              <a:t>‹#›</a:t>
+              <a:t>‹Nr.›</a:t>
             </a:fld>
             <a:endParaRPr lang="en-AT"/>
           </a:p>
@@ -1620,7 +1620,7 @@
           <a:p>
             <a:fld id="{B2820DA7-63D1-EC42-9A7D-9F0F901057CA}" type="datetimeFigureOut">
               <a:rPr lang="en-AT" smtClean="0"/>
-              <a:t>27.09.21</a:t>
+              <a:t>09/29/2021</a:t>
             </a:fld>
             <a:endParaRPr lang="en-AT"/>
           </a:p>
@@ -1674,7 +1674,7 @@
           <a:p>
             <a:fld id="{D52D774A-D523-1049-AF40-B96A0B621DD8}" type="slidenum">
               <a:rPr lang="en-AT" smtClean="0"/>
-              <a:t>‹#›</a:t>
+              <a:t>‹Nr.›</a:t>
             </a:fld>
             <a:endParaRPr lang="en-AT"/>
           </a:p>
@@ -1820,7 +1820,7 @@
           <a:p>
             <a:fld id="{B2820DA7-63D1-EC42-9A7D-9F0F901057CA}" type="datetimeFigureOut">
               <a:rPr lang="en-AT" smtClean="0"/>
-              <a:t>27.09.21</a:t>
+              <a:t>09/29/2021</a:t>
             </a:fld>
             <a:endParaRPr lang="en-AT"/>
           </a:p>
@@ -1874,7 +1874,7 @@
           <a:p>
             <a:fld id="{D52D774A-D523-1049-AF40-B96A0B621DD8}" type="slidenum">
               <a:rPr lang="en-AT" smtClean="0"/>
-              <a:t>‹#›</a:t>
+              <a:t>‹Nr.›</a:t>
             </a:fld>
             <a:endParaRPr lang="en-AT"/>
           </a:p>
@@ -2096,7 +2096,7 @@
           <a:p>
             <a:fld id="{B2820DA7-63D1-EC42-9A7D-9F0F901057CA}" type="datetimeFigureOut">
               <a:rPr lang="en-AT" smtClean="0"/>
-              <a:t>27.09.21</a:t>
+              <a:t>09/29/2021</a:t>
             </a:fld>
             <a:endParaRPr lang="en-AT"/>
           </a:p>
@@ -2150,7 +2150,7 @@
           <a:p>
             <a:fld id="{D52D774A-D523-1049-AF40-B96A0B621DD8}" type="slidenum">
               <a:rPr lang="en-AT" smtClean="0"/>
-              <a:t>‹#›</a:t>
+              <a:t>‹Nr.›</a:t>
             </a:fld>
             <a:endParaRPr lang="en-AT"/>
           </a:p>
@@ -2364,7 +2364,7 @@
           <a:p>
             <a:fld id="{B2820DA7-63D1-EC42-9A7D-9F0F901057CA}" type="datetimeFigureOut">
               <a:rPr lang="en-AT" smtClean="0"/>
-              <a:t>27.09.21</a:t>
+              <a:t>09/29/2021</a:t>
             </a:fld>
             <a:endParaRPr lang="en-AT"/>
           </a:p>
@@ -2418,7 +2418,7 @@
           <a:p>
             <a:fld id="{D52D774A-D523-1049-AF40-B96A0B621DD8}" type="slidenum">
               <a:rPr lang="en-AT" smtClean="0"/>
-              <a:t>‹#›</a:t>
+              <a:t>‹Nr.›</a:t>
             </a:fld>
             <a:endParaRPr lang="en-AT"/>
           </a:p>
@@ -2779,7 +2779,7 @@
           <a:p>
             <a:fld id="{B2820DA7-63D1-EC42-9A7D-9F0F901057CA}" type="datetimeFigureOut">
               <a:rPr lang="en-AT" smtClean="0"/>
-              <a:t>27.09.21</a:t>
+              <a:t>09/29/2021</a:t>
             </a:fld>
             <a:endParaRPr lang="en-AT"/>
           </a:p>
@@ -2833,7 +2833,7 @@
           <a:p>
             <a:fld id="{D52D774A-D523-1049-AF40-B96A0B621DD8}" type="slidenum">
               <a:rPr lang="en-AT" smtClean="0"/>
-              <a:t>‹#›</a:t>
+              <a:t>‹Nr.›</a:t>
             </a:fld>
             <a:endParaRPr lang="en-AT"/>
           </a:p>
@@ -2921,7 +2921,7 @@
           <a:p>
             <a:fld id="{B2820DA7-63D1-EC42-9A7D-9F0F901057CA}" type="datetimeFigureOut">
               <a:rPr lang="en-AT" smtClean="0"/>
-              <a:t>27.09.21</a:t>
+              <a:t>09/29/2021</a:t>
             </a:fld>
             <a:endParaRPr lang="en-AT"/>
           </a:p>
@@ -2975,7 +2975,7 @@
           <a:p>
             <a:fld id="{D52D774A-D523-1049-AF40-B96A0B621DD8}" type="slidenum">
               <a:rPr lang="en-AT" smtClean="0"/>
-              <a:t>‹#›</a:t>
+              <a:t>‹Nr.›</a:t>
             </a:fld>
             <a:endParaRPr lang="en-AT"/>
           </a:p>
@@ -3034,7 +3034,7 @@
           <a:p>
             <a:fld id="{B2820DA7-63D1-EC42-9A7D-9F0F901057CA}" type="datetimeFigureOut">
               <a:rPr lang="en-AT" smtClean="0"/>
-              <a:t>27.09.21</a:t>
+              <a:t>09/29/2021</a:t>
             </a:fld>
             <a:endParaRPr lang="en-AT"/>
           </a:p>
@@ -3088,7 +3088,7 @@
           <a:p>
             <a:fld id="{D52D774A-D523-1049-AF40-B96A0B621DD8}" type="slidenum">
               <a:rPr lang="en-AT" smtClean="0"/>
-              <a:t>‹#›</a:t>
+              <a:t>‹Nr.›</a:t>
             </a:fld>
             <a:endParaRPr lang="en-AT"/>
           </a:p>
@@ -3347,7 +3347,7 @@
           <a:p>
             <a:fld id="{B2820DA7-63D1-EC42-9A7D-9F0F901057CA}" type="datetimeFigureOut">
               <a:rPr lang="en-AT" smtClean="0"/>
-              <a:t>27.09.21</a:t>
+              <a:t>09/29/2021</a:t>
             </a:fld>
             <a:endParaRPr lang="en-AT"/>
           </a:p>
@@ -3401,7 +3401,7 @@
           <a:p>
             <a:fld id="{D52D774A-D523-1049-AF40-B96A0B621DD8}" type="slidenum">
               <a:rPr lang="en-AT" smtClean="0"/>
-              <a:t>‹#›</a:t>
+              <a:t>‹Nr.›</a:t>
             </a:fld>
             <a:endParaRPr lang="en-AT"/>
           </a:p>
@@ -3636,7 +3636,7 @@
           <a:p>
             <a:fld id="{B2820DA7-63D1-EC42-9A7D-9F0F901057CA}" type="datetimeFigureOut">
               <a:rPr lang="en-AT" smtClean="0"/>
-              <a:t>27.09.21</a:t>
+              <a:t>09/29/2021</a:t>
             </a:fld>
             <a:endParaRPr lang="en-AT"/>
           </a:p>
@@ -3690,7 +3690,7 @@
           <a:p>
             <a:fld id="{D52D774A-D523-1049-AF40-B96A0B621DD8}" type="slidenum">
               <a:rPr lang="en-AT" smtClean="0"/>
-              <a:t>‹#›</a:t>
+              <a:t>‹Nr.›</a:t>
             </a:fld>
             <a:endParaRPr lang="en-AT"/>
           </a:p>
@@ -3879,7 +3879,7 @@
           <a:p>
             <a:fld id="{B2820DA7-63D1-EC42-9A7D-9F0F901057CA}" type="datetimeFigureOut">
               <a:rPr lang="en-AT" smtClean="0"/>
-              <a:t>27.09.21</a:t>
+              <a:t>09/29/2021</a:t>
             </a:fld>
             <a:endParaRPr lang="en-AT"/>
           </a:p>
@@ -3969,7 +3969,7 @@
           <a:p>
             <a:fld id="{D52D774A-D523-1049-AF40-B96A0B621DD8}" type="slidenum">
               <a:rPr lang="en-AT" smtClean="0"/>
-              <a:t>‹#›</a:t>
+              <a:t>‹Nr.›</a:t>
             </a:fld>
             <a:endParaRPr lang="en-AT"/>
           </a:p>
@@ -4503,6 +4503,85 @@
           </a:p>
         </p:txBody>
       </p:sp>
+      <p:sp>
+        <p:nvSpPr>
+          <p:cNvPr id="2" name="Textfeld 1">
+            <a:extLst>
+              <a:ext uri="{FF2B5EF4-FFF2-40B4-BE49-F238E27FC236}">
+                <a16:creationId xmlns:a16="http://schemas.microsoft.com/office/drawing/2014/main" id="{C5CF03E9-D722-4A02-A7D3-64F93D5E68C2}"/>
+              </a:ext>
+            </a:extLst>
+          </p:cNvPr>
+          <p:cNvSpPr txBox="1"/>
+          <p:nvPr/>
+        </p:nvSpPr>
+        <p:spPr>
+          <a:xfrm>
+            <a:off x="1820950" y="5558828"/>
+            <a:ext cx="8550098" cy="400110"/>
+          </a:xfrm>
+          <a:prstGeom prst="rect">
+            <a:avLst/>
+          </a:prstGeom>
+          <a:noFill/>
+        </p:spPr>
+        <p:txBody>
+          <a:bodyPr wrap="none" rtlCol="0">
+            <a:spAutoFit/>
+          </a:bodyPr>
+          <a:lstStyle/>
+          <a:p>
+            <a:r>
+              <a:rPr lang="de-DE" sz="2000" dirty="0"/>
+              <a:t>Eine Präsentation von Patrick Kristen, Fabian Hohn, Franz </a:t>
+            </a:r>
+            <a:r>
+              <a:rPr lang="de-DE" sz="2000" dirty="0" err="1"/>
+              <a:t>Aguero</a:t>
+            </a:r>
+            <a:r>
+              <a:rPr lang="de-DE" sz="2000" dirty="0"/>
+              <a:t>, Adis Jakupovic</a:t>
+            </a:r>
+            <a:endParaRPr lang="de-AT" sz="2000" dirty="0"/>
+          </a:p>
+        </p:txBody>
+      </p:sp>
+      <p:sp>
+        <p:nvSpPr>
+          <p:cNvPr id="3" name="Textfeld 2">
+            <a:extLst>
+              <a:ext uri="{FF2B5EF4-FFF2-40B4-BE49-F238E27FC236}">
+                <a16:creationId xmlns:a16="http://schemas.microsoft.com/office/drawing/2014/main" id="{3677383C-E9F2-4208-9008-02389CBA3809}"/>
+              </a:ext>
+            </a:extLst>
+          </p:cNvPr>
+          <p:cNvSpPr txBox="1"/>
+          <p:nvPr/>
+        </p:nvSpPr>
+        <p:spPr>
+          <a:xfrm flipH="1">
+            <a:off x="3945096" y="787651"/>
+            <a:ext cx="4301805" cy="707886"/>
+          </a:xfrm>
+          <a:prstGeom prst="rect">
+            <a:avLst/>
+          </a:prstGeom>
+          <a:noFill/>
+        </p:spPr>
+        <p:txBody>
+          <a:bodyPr wrap="square" rtlCol="0">
+            <a:spAutoFit/>
+          </a:bodyPr>
+          <a:lstStyle/>
+          <a:p>
+            <a:r>
+              <a:rPr lang="de-DE" sz="4000" b="1" dirty="0"/>
+              <a:t>Ideen-Präsentation</a:t>
+            </a:r>
+          </a:p>
+        </p:txBody>
+      </p:sp>
     </p:spTree>
     <p:extLst>
       <p:ext uri="{BB962C8B-B14F-4D97-AF65-F5344CB8AC3E}">
@@ -4619,7 +4698,6 @@
                     <a:lumOff val="40000"/>
                   </a:schemeClr>
                 </a:solidFill>
-                <a:latin typeface="Times New Roman" panose="02020603050405020304" pitchFamily="18" charset="0"/>
                 <a:cs typeface="Times New Roman" panose="02020603050405020304" pitchFamily="18" charset="0"/>
               </a:rPr>
               <a:t>Ideen</a:t>
@@ -4641,8 +4719,8 @@
         </p:nvSpPr>
         <p:spPr>
           <a:xfrm>
-            <a:off x="7200859" y="2846258"/>
-            <a:ext cx="3239028" cy="523220"/>
+            <a:off x="7383858" y="2846258"/>
+            <a:ext cx="3056029" cy="523220"/>
           </a:xfrm>
           <a:prstGeom prst="rect">
             <a:avLst/>
@@ -4658,7 +4736,6 @@
             <a:pPr algn="r"/>
             <a:r>
               <a:rPr lang="en-AT" sz="2800" b="1" dirty="0">
-                <a:latin typeface="Times New Roman" panose="02020603050405020304" pitchFamily="18" charset="0"/>
                 <a:cs typeface="Times New Roman" panose="02020603050405020304" pitchFamily="18" charset="0"/>
               </a:rPr>
               <a:t>Online Vokabelheft</a:t>
@@ -4680,8 +4757,8 @@
         </p:nvSpPr>
         <p:spPr>
           <a:xfrm>
-            <a:off x="8431004" y="3488523"/>
-            <a:ext cx="2008883" cy="523220"/>
+            <a:off x="8539688" y="3488523"/>
+            <a:ext cx="1900199" cy="523220"/>
           </a:xfrm>
           <a:prstGeom prst="rect">
             <a:avLst/>
@@ -4697,7 +4774,6 @@
             <a:pPr algn="r"/>
             <a:r>
               <a:rPr lang="en-AT" sz="2800" b="1" dirty="0">
-                <a:latin typeface="Times New Roman" panose="02020603050405020304" pitchFamily="18" charset="0"/>
                 <a:cs typeface="Times New Roman" panose="02020603050405020304" pitchFamily="18" charset="0"/>
               </a:rPr>
               <a:t>Discord Bot</a:t>
@@ -4719,8 +4795,8 @@
         </p:nvSpPr>
         <p:spPr>
           <a:xfrm>
-            <a:off x="8657027" y="4130788"/>
-            <a:ext cx="1782860" cy="523220"/>
+            <a:off x="8756413" y="4130788"/>
+            <a:ext cx="1683474" cy="523220"/>
           </a:xfrm>
           <a:prstGeom prst="rect">
             <a:avLst/>
@@ -4736,21 +4812,18 @@
             <a:pPr algn="r"/>
             <a:r>
               <a:rPr lang="en-AT" sz="2800" b="1" dirty="0">
-                <a:latin typeface="Times New Roman" panose="02020603050405020304" pitchFamily="18" charset="0"/>
                 <a:cs typeface="Times New Roman" panose="02020603050405020304" pitchFamily="18" charset="0"/>
               </a:rPr>
               <a:t>N</a:t>
             </a:r>
             <a:r>
               <a:rPr lang="en-GB" sz="2800" b="1" dirty="0">
-                <a:latin typeface="Times New Roman" panose="02020603050405020304" pitchFamily="18" charset="0"/>
                 <a:cs typeface="Times New Roman" panose="02020603050405020304" pitchFamily="18" charset="0"/>
               </a:rPr>
               <a:t>o</a:t>
             </a:r>
             <a:r>
               <a:rPr lang="en-AT" sz="2800" b="1" dirty="0">
-                <a:latin typeface="Times New Roman" panose="02020603050405020304" pitchFamily="18" charset="0"/>
                 <a:cs typeface="Times New Roman" panose="02020603050405020304" pitchFamily="18" charset="0"/>
               </a:rPr>
               <a:t>tiz-App</a:t>
@@ -5060,7 +5133,6 @@
             <a:pPr algn="ctr"/>
             <a:r>
               <a:rPr lang="en-AT" sz="4800" b="1" dirty="0">
-                <a:latin typeface="Times New Roman" panose="02020603050405020304" pitchFamily="18" charset="0"/>
                 <a:cs typeface="Times New Roman" panose="02020603050405020304" pitchFamily="18" charset="0"/>
               </a:rPr>
               <a:t>Online Vokabelheft </a:t>
@@ -5203,8 +5275,8 @@
         </p:nvSpPr>
         <p:spPr>
           <a:xfrm>
-            <a:off x="3260217" y="4332875"/>
-            <a:ext cx="1050288" cy="584775"/>
+            <a:off x="3281857" y="4332875"/>
+            <a:ext cx="1007007" cy="584775"/>
           </a:xfrm>
           <a:prstGeom prst="rect">
             <a:avLst/>
@@ -5220,13 +5292,11 @@
             <a:pPr algn="ctr"/>
             <a:r>
               <a:rPr lang="de-AT" sz="3200" b="1" dirty="0">
-                <a:latin typeface="Times New Roman" panose="02020603050405020304" pitchFamily="18" charset="0"/>
                 <a:cs typeface="Times New Roman" panose="02020603050405020304" pitchFamily="18" charset="0"/>
               </a:rPr>
               <a:t>Spiel</a:t>
             </a:r>
             <a:endParaRPr lang="en-AT" sz="3200" b="1" dirty="0">
-              <a:latin typeface="Times New Roman" panose="02020603050405020304" pitchFamily="18" charset="0"/>
               <a:cs typeface="Times New Roman" panose="02020603050405020304" pitchFamily="18" charset="0"/>
             </a:endParaRPr>
           </a:p>
@@ -5293,13 +5363,11 @@
             <a:pPr algn="ctr"/>
             <a:r>
               <a:rPr lang="de-AT" sz="3200" b="1" dirty="0">
-                <a:latin typeface="Times New Roman" panose="02020603050405020304" pitchFamily="18" charset="0"/>
                 <a:cs typeface="Times New Roman" panose="02020603050405020304" pitchFamily="18" charset="0"/>
               </a:rPr>
               <a:t>Duell</a:t>
             </a:r>
             <a:endParaRPr lang="en-AT" sz="2800" b="1" dirty="0">
-              <a:latin typeface="Times New Roman" panose="02020603050405020304" pitchFamily="18" charset="0"/>
               <a:cs typeface="Times New Roman" panose="02020603050405020304" pitchFamily="18" charset="0"/>
             </a:endParaRPr>
           </a:p>
@@ -5421,7 +5489,6 @@
                     <a:lumOff val="40000"/>
                   </a:schemeClr>
                 </a:solidFill>
-                <a:latin typeface="Times New Roman" panose="02020603050405020304" pitchFamily="18" charset="0"/>
                 <a:cs typeface="Times New Roman" panose="02020603050405020304" pitchFamily="18" charset="0"/>
               </a:rPr>
               <a:t>Ideen</a:t>
@@ -5443,8 +5510,8 @@
         </p:nvSpPr>
         <p:spPr>
           <a:xfrm>
-            <a:off x="7200859" y="2846258"/>
-            <a:ext cx="3239028" cy="523220"/>
+            <a:off x="7383858" y="2846258"/>
+            <a:ext cx="3056029" cy="523220"/>
           </a:xfrm>
           <a:prstGeom prst="rect">
             <a:avLst/>
@@ -5458,22 +5525,66 @@
           <a:lstStyle/>
           <a:p>
             <a:pPr algn="r"/>
+            <a:r>
+              <a:rPr lang="en-AT" sz="2800" b="1" dirty="0">
+                <a:cs typeface="Times New Roman" panose="02020603050405020304" pitchFamily="18" charset="0"/>
+              </a:rPr>
+              <a:t>Online Vokabelheft</a:t>
+            </a:r>
+          </a:p>
+        </p:txBody>
+      </p:sp>
+      <p:sp>
+        <p:nvSpPr>
+          <p:cNvPr id="8" name="TextBox 7">
+            <a:extLst>
+              <a:ext uri="{FF2B5EF4-FFF2-40B4-BE49-F238E27FC236}">
+                <a16:creationId xmlns:a16="http://schemas.microsoft.com/office/drawing/2014/main" id="{6FB478D6-92A7-C44E-97D7-71B63EB20D8C}"/>
+              </a:ext>
+            </a:extLst>
+          </p:cNvPr>
+          <p:cNvSpPr txBox="1"/>
+          <p:nvPr/>
+        </p:nvSpPr>
+        <p:spPr>
+          <a:xfrm>
+            <a:off x="8512436" y="3488523"/>
+            <a:ext cx="1927451" cy="523220"/>
+          </a:xfrm>
+          <a:prstGeom prst="rect">
+            <a:avLst/>
+          </a:prstGeom>
+          <a:noFill/>
+        </p:spPr>
+        <p:txBody>
+          <a:bodyPr wrap="none" rtlCol="0">
+            <a:spAutoFit/>
+          </a:bodyPr>
+          <a:lstStyle/>
+          <a:p>
+            <a:pPr algn="r"/>
+            <a:r>
+              <a:rPr lang="en-AT" sz="2800" b="1" dirty="0">
+                <a:cs typeface="Times New Roman" panose="02020603050405020304" pitchFamily="18" charset="0"/>
+              </a:rPr>
+              <a:t>Discord</a:t>
+            </a:r>
             <a:r>
               <a:rPr lang="en-AT" sz="2800" b="1" dirty="0">
                 <a:latin typeface="Times New Roman" panose="02020603050405020304" pitchFamily="18" charset="0"/>
                 <a:cs typeface="Times New Roman" panose="02020603050405020304" pitchFamily="18" charset="0"/>
               </a:rPr>
-              <a:t>Online Vokabelheft</a:t>
-            </a:r>
-          </a:p>
-        </p:txBody>
-      </p:sp>
-      <p:sp>
-        <p:nvSpPr>
-          <p:cNvPr id="8" name="TextBox 7">
-            <a:extLst>
-              <a:ext uri="{FF2B5EF4-FFF2-40B4-BE49-F238E27FC236}">
-                <a16:creationId xmlns:a16="http://schemas.microsoft.com/office/drawing/2014/main" id="{6FB478D6-92A7-C44E-97D7-71B63EB20D8C}"/>
+              <a:t> Bot</a:t>
+            </a:r>
+          </a:p>
+        </p:txBody>
+      </p:sp>
+      <p:sp>
+        <p:nvSpPr>
+          <p:cNvPr id="9" name="TextBox 8">
+            <a:extLst>
+              <a:ext uri="{FF2B5EF4-FFF2-40B4-BE49-F238E27FC236}">
+                <a16:creationId xmlns:a16="http://schemas.microsoft.com/office/drawing/2014/main" id="{D2C886DF-CBCA-F34F-B479-892C3CA6293D}"/>
               </a:ext>
             </a:extLst>
           </p:cNvPr>
@@ -5482,8 +5593,8 @@
         </p:nvSpPr>
         <p:spPr>
           <a:xfrm>
-            <a:off x="8431004" y="3488523"/>
-            <a:ext cx="2008883" cy="523220"/>
+            <a:off x="8746795" y="4130788"/>
+            <a:ext cx="1693092" cy="523220"/>
           </a:xfrm>
           <a:prstGeom prst="rect">
             <a:avLst/>
@@ -5499,60 +5610,18 @@
             <a:pPr algn="r"/>
             <a:r>
               <a:rPr lang="en-AT" sz="2800" b="1" dirty="0">
-                <a:latin typeface="Times New Roman" panose="02020603050405020304" pitchFamily="18" charset="0"/>
-                <a:cs typeface="Times New Roman" panose="02020603050405020304" pitchFamily="18" charset="0"/>
-              </a:rPr>
-              <a:t>Discord Bot</a:t>
-            </a:r>
-          </a:p>
-        </p:txBody>
-      </p:sp>
-      <p:sp>
-        <p:nvSpPr>
-          <p:cNvPr id="9" name="TextBox 8">
-            <a:extLst>
-              <a:ext uri="{FF2B5EF4-FFF2-40B4-BE49-F238E27FC236}">
-                <a16:creationId xmlns:a16="http://schemas.microsoft.com/office/drawing/2014/main" id="{D2C886DF-CBCA-F34F-B479-892C3CA6293D}"/>
-              </a:ext>
-            </a:extLst>
-          </p:cNvPr>
-          <p:cNvSpPr txBox="1"/>
-          <p:nvPr/>
-        </p:nvSpPr>
-        <p:spPr>
-          <a:xfrm>
-            <a:off x="8657027" y="4130788"/>
-            <a:ext cx="1782860" cy="523220"/>
-          </a:xfrm>
-          <a:prstGeom prst="rect">
-            <a:avLst/>
-          </a:prstGeom>
-          <a:noFill/>
-        </p:spPr>
-        <p:txBody>
-          <a:bodyPr wrap="none" rtlCol="0">
-            <a:spAutoFit/>
-          </a:bodyPr>
-          <a:lstStyle/>
-          <a:p>
-            <a:pPr algn="r"/>
-            <a:r>
-              <a:rPr lang="en-AT" sz="2800" b="1" dirty="0">
-                <a:latin typeface="Times New Roman" panose="02020603050405020304" pitchFamily="18" charset="0"/>
                 <a:cs typeface="Times New Roman" panose="02020603050405020304" pitchFamily="18" charset="0"/>
               </a:rPr>
               <a:t>N</a:t>
             </a:r>
             <a:r>
               <a:rPr lang="en-GB" sz="2800" b="1" dirty="0">
-                <a:latin typeface="Times New Roman" panose="02020603050405020304" pitchFamily="18" charset="0"/>
                 <a:cs typeface="Times New Roman" panose="02020603050405020304" pitchFamily="18" charset="0"/>
               </a:rPr>
               <a:t>o</a:t>
             </a:r>
             <a:r>
               <a:rPr lang="en-AT" sz="2800" b="1" dirty="0">
-                <a:latin typeface="Times New Roman" panose="02020603050405020304" pitchFamily="18" charset="0"/>
                 <a:cs typeface="Times New Roman" panose="02020603050405020304" pitchFamily="18" charset="0"/>
               </a:rPr>
               <a:t>tiz-App</a:t>
@@ -6003,8 +6072,8 @@
         </p:nvSpPr>
         <p:spPr>
           <a:xfrm>
-            <a:off x="4439939" y="506973"/>
-            <a:ext cx="3312125" cy="830997"/>
+            <a:off x="4534163" y="506973"/>
+            <a:ext cx="3123676" cy="830997"/>
           </a:xfrm>
           <a:prstGeom prst="rect">
             <a:avLst/>
@@ -6020,7 +6089,6 @@
             <a:pPr algn="ctr"/>
             <a:r>
               <a:rPr lang="en-AT" sz="4800" b="1" dirty="0">
-                <a:latin typeface="Times New Roman" panose="02020603050405020304" pitchFamily="18" charset="0"/>
                 <a:cs typeface="Times New Roman" panose="02020603050405020304" pitchFamily="18" charset="0"/>
               </a:rPr>
               <a:t>Discord Bot</a:t>
@@ -6150,7 +6218,6 @@
           <a:p>
             <a:r>
               <a:rPr lang="de-AT" sz="3200" b="1" dirty="0">
-                <a:latin typeface="Times New Roman" panose="02020603050405020304" pitchFamily="18" charset="0"/>
                 <a:cs typeface="Times New Roman" panose="02020603050405020304" pitchFamily="18" charset="0"/>
               </a:rPr>
               <a:t>künstliche </a:t>
@@ -6159,13 +6226,11 @@
           <a:p>
             <a:r>
               <a:rPr lang="de-AT" sz="3200" b="1" dirty="0">
-                <a:latin typeface="Times New Roman" panose="02020603050405020304" pitchFamily="18" charset="0"/>
                 <a:cs typeface="Times New Roman" panose="02020603050405020304" pitchFamily="18" charset="0"/>
               </a:rPr>
               <a:t>Intelligenz</a:t>
             </a:r>
             <a:endParaRPr lang="en-AT" sz="3200" b="1" dirty="0">
-              <a:latin typeface="Times New Roman" panose="02020603050405020304" pitchFamily="18" charset="0"/>
               <a:cs typeface="Times New Roman" panose="02020603050405020304" pitchFamily="18" charset="0"/>
             </a:endParaRPr>
           </a:p>
@@ -6185,8 +6250,8 @@
         </p:nvSpPr>
         <p:spPr>
           <a:xfrm>
-            <a:off x="8959768" y="2890391"/>
-            <a:ext cx="1781258" cy="1077218"/>
+            <a:off x="9037676" y="2890391"/>
+            <a:ext cx="1703350" cy="1077218"/>
           </a:xfrm>
           <a:prstGeom prst="rect">
             <a:avLst/>
@@ -6202,7 +6267,6 @@
             <a:pPr algn="r"/>
             <a:r>
               <a:rPr lang="de-AT" sz="3200" b="1" dirty="0">
-                <a:latin typeface="Times New Roman" panose="02020603050405020304" pitchFamily="18" charset="0"/>
                 <a:cs typeface="Times New Roman" panose="02020603050405020304" pitchFamily="18" charset="0"/>
               </a:rPr>
               <a:t>Web</a:t>
@@ -6212,13 +6276,11 @@
             <a:pPr algn="r"/>
             <a:r>
               <a:rPr lang="de-AT" sz="3200" b="1" dirty="0">
-                <a:latin typeface="Times New Roman" panose="02020603050405020304" pitchFamily="18" charset="0"/>
                 <a:cs typeface="Times New Roman" panose="02020603050405020304" pitchFamily="18" charset="0"/>
               </a:rPr>
               <a:t>Interface</a:t>
             </a:r>
             <a:endParaRPr lang="en-AT" sz="3200" b="1" dirty="0">
-              <a:latin typeface="Times New Roman" panose="02020603050405020304" pitchFamily="18" charset="0"/>
               <a:cs typeface="Times New Roman" panose="02020603050405020304" pitchFamily="18" charset="0"/>
             </a:endParaRPr>
           </a:p>
@@ -6340,7 +6402,6 @@
                     <a:lumOff val="40000"/>
                   </a:schemeClr>
                 </a:solidFill>
-                <a:latin typeface="Times New Roman" panose="02020603050405020304" pitchFamily="18" charset="0"/>
                 <a:cs typeface="Times New Roman" panose="02020603050405020304" pitchFamily="18" charset="0"/>
               </a:rPr>
               <a:t>Ideen</a:t>
@@ -6362,8 +6423,8 @@
         </p:nvSpPr>
         <p:spPr>
           <a:xfrm>
-            <a:off x="7200859" y="2846258"/>
-            <a:ext cx="3239028" cy="523220"/>
+            <a:off x="7383858" y="2846258"/>
+            <a:ext cx="3056029" cy="523220"/>
           </a:xfrm>
           <a:prstGeom prst="rect">
             <a:avLst/>
@@ -6379,7 +6440,6 @@
             <a:pPr algn="r"/>
             <a:r>
               <a:rPr lang="en-AT" sz="2800" b="1" dirty="0">
-                <a:latin typeface="Times New Roman" panose="02020603050405020304" pitchFamily="18" charset="0"/>
                 <a:cs typeface="Times New Roman" panose="02020603050405020304" pitchFamily="18" charset="0"/>
               </a:rPr>
               <a:t>Online Vokabelheft</a:t>
@@ -6401,8 +6461,8 @@
         </p:nvSpPr>
         <p:spPr>
           <a:xfrm>
-            <a:off x="8431004" y="3488523"/>
-            <a:ext cx="2008883" cy="523220"/>
+            <a:off x="8539688" y="3488523"/>
+            <a:ext cx="1900199" cy="523220"/>
           </a:xfrm>
           <a:prstGeom prst="rect">
             <a:avLst/>
@@ -6418,7 +6478,6 @@
             <a:pPr algn="r"/>
             <a:r>
               <a:rPr lang="en-AT" sz="2800" b="1" dirty="0">
-                <a:latin typeface="Times New Roman" panose="02020603050405020304" pitchFamily="18" charset="0"/>
                 <a:cs typeface="Times New Roman" panose="02020603050405020304" pitchFamily="18" charset="0"/>
               </a:rPr>
               <a:t>Discord Bot</a:t>
@@ -6440,8 +6499,8 @@
         </p:nvSpPr>
         <p:spPr>
           <a:xfrm>
-            <a:off x="8657027" y="4130788"/>
-            <a:ext cx="1782860" cy="523220"/>
+            <a:off x="8756413" y="4130788"/>
+            <a:ext cx="1683474" cy="523220"/>
           </a:xfrm>
           <a:prstGeom prst="rect">
             <a:avLst/>
@@ -6457,21 +6516,18 @@
             <a:pPr algn="r"/>
             <a:r>
               <a:rPr lang="en-AT" sz="2800" b="1" dirty="0">
-                <a:latin typeface="Times New Roman" panose="02020603050405020304" pitchFamily="18" charset="0"/>
                 <a:cs typeface="Times New Roman" panose="02020603050405020304" pitchFamily="18" charset="0"/>
               </a:rPr>
               <a:t>N</a:t>
             </a:r>
             <a:r>
               <a:rPr lang="en-GB" sz="2800" b="1" dirty="0">
-                <a:latin typeface="Times New Roman" panose="02020603050405020304" pitchFamily="18" charset="0"/>
                 <a:cs typeface="Times New Roman" panose="02020603050405020304" pitchFamily="18" charset="0"/>
               </a:rPr>
               <a:t>o</a:t>
             </a:r>
             <a:r>
               <a:rPr lang="en-AT" sz="2800" b="1" dirty="0">
-                <a:latin typeface="Times New Roman" panose="02020603050405020304" pitchFamily="18" charset="0"/>
                 <a:cs typeface="Times New Roman" panose="02020603050405020304" pitchFamily="18" charset="0"/>
               </a:rPr>
               <a:t>tiz-App</a:t>
@@ -6974,8 +7030,8 @@
         </p:nvSpPr>
         <p:spPr>
           <a:xfrm>
-            <a:off x="4635505" y="506973"/>
-            <a:ext cx="2920992" cy="830997"/>
+            <a:off x="4719662" y="506973"/>
+            <a:ext cx="2752677" cy="830997"/>
           </a:xfrm>
           <a:prstGeom prst="rect">
             <a:avLst/>
@@ -6991,7 +7047,6 @@
             <a:pPr algn="ctr"/>
             <a:r>
               <a:rPr lang="en-AT" sz="4800" b="1" dirty="0">
-                <a:latin typeface="Times New Roman" panose="02020603050405020304" pitchFamily="18" charset="0"/>
                 <a:cs typeface="Times New Roman" panose="02020603050405020304" pitchFamily="18" charset="0"/>
               </a:rPr>
               <a:t>Notiz-App</a:t>
@@ -7091,8 +7146,8 @@
         </p:nvSpPr>
         <p:spPr>
           <a:xfrm>
-            <a:off x="1668102" y="4344735"/>
-            <a:ext cx="1922321" cy="954107"/>
+            <a:off x="1743539" y="4344735"/>
+            <a:ext cx="1771447" cy="954107"/>
           </a:xfrm>
           <a:prstGeom prst="rect">
             <a:avLst/>
@@ -7108,7 +7163,6 @@
             <a:pPr algn="ctr"/>
             <a:r>
               <a:rPr lang="de-AT" sz="2800" b="1" dirty="0">
-                <a:latin typeface="Times New Roman" panose="02020603050405020304" pitchFamily="18" charset="0"/>
                 <a:cs typeface="Times New Roman" panose="02020603050405020304" pitchFamily="18" charset="0"/>
               </a:rPr>
               <a:t>Foto</a:t>
@@ -7118,13 +7172,11 @@
             <a:pPr algn="ctr"/>
             <a:r>
               <a:rPr lang="de-AT" sz="2800" b="1" dirty="0">
-                <a:latin typeface="Times New Roman" panose="02020603050405020304" pitchFamily="18" charset="0"/>
                 <a:cs typeface="Times New Roman" panose="02020603050405020304" pitchFamily="18" charset="0"/>
               </a:rPr>
               <a:t>Erkennung</a:t>
             </a:r>
             <a:endParaRPr lang="en-AT" sz="2800" b="1" dirty="0">
-              <a:latin typeface="Times New Roman" panose="02020603050405020304" pitchFamily="18" charset="0"/>
               <a:cs typeface="Times New Roman" panose="02020603050405020304" pitchFamily="18" charset="0"/>
             </a:endParaRPr>
           </a:p>
@@ -7161,13 +7213,11 @@
             <a:pPr algn="ctr"/>
             <a:r>
               <a:rPr lang="de-AT" sz="2800" b="1" dirty="0">
-                <a:latin typeface="Times New Roman" panose="02020603050405020304" pitchFamily="18" charset="0"/>
                 <a:cs typeface="Times New Roman" panose="02020603050405020304" pitchFamily="18" charset="0"/>
               </a:rPr>
               <a:t>Touchpad</a:t>
             </a:r>
             <a:endParaRPr lang="en-AT" sz="2800" b="1" dirty="0">
-              <a:latin typeface="Times New Roman" panose="02020603050405020304" pitchFamily="18" charset="0"/>
               <a:cs typeface="Times New Roman" panose="02020603050405020304" pitchFamily="18" charset="0"/>
             </a:endParaRPr>
           </a:p>
@@ -7204,13 +7254,11 @@
             <a:pPr algn="ctr"/>
             <a:r>
               <a:rPr lang="de-AT" sz="2800" b="1" dirty="0">
-                <a:latin typeface="Times New Roman" panose="02020603050405020304" pitchFamily="18" charset="0"/>
                 <a:cs typeface="Times New Roman" panose="02020603050405020304" pitchFamily="18" charset="0"/>
               </a:rPr>
               <a:t>Schul-Guide</a:t>
             </a:r>
             <a:endParaRPr lang="en-AT" sz="2800" b="1" dirty="0">
-              <a:latin typeface="Times New Roman" panose="02020603050405020304" pitchFamily="18" charset="0"/>
               <a:cs typeface="Times New Roman" panose="02020603050405020304" pitchFamily="18" charset="0"/>
             </a:endParaRPr>
           </a:p>
@@ -7422,7 +7470,6 @@
                     <a:lumOff val="40000"/>
                   </a:schemeClr>
                 </a:solidFill>
-                <a:latin typeface="Times New Roman" panose="02020603050405020304" pitchFamily="18" charset="0"/>
                 <a:cs typeface="Times New Roman" panose="02020603050405020304" pitchFamily="18" charset="0"/>
               </a:rPr>
               <a:t>Ideen</a:t>
@@ -7444,8 +7491,8 @@
         </p:nvSpPr>
         <p:spPr>
           <a:xfrm>
-            <a:off x="7200859" y="2846258"/>
-            <a:ext cx="3239028" cy="523220"/>
+            <a:off x="7383858" y="2846258"/>
+            <a:ext cx="3056029" cy="523220"/>
           </a:xfrm>
           <a:prstGeom prst="rect">
             <a:avLst/>
@@ -7461,7 +7508,6 @@
             <a:pPr algn="r"/>
             <a:r>
               <a:rPr lang="en-AT" sz="2800" b="1" dirty="0">
-                <a:latin typeface="Times New Roman" panose="02020603050405020304" pitchFamily="18" charset="0"/>
                 <a:cs typeface="Times New Roman" panose="02020603050405020304" pitchFamily="18" charset="0"/>
               </a:rPr>
               <a:t>Online Vokabelheft</a:t>
@@ -7483,8 +7529,8 @@
         </p:nvSpPr>
         <p:spPr>
           <a:xfrm>
-            <a:off x="8431004" y="3488523"/>
-            <a:ext cx="2008883" cy="523220"/>
+            <a:off x="8539688" y="3488523"/>
+            <a:ext cx="1900199" cy="523220"/>
           </a:xfrm>
           <a:prstGeom prst="rect">
             <a:avLst/>
@@ -7500,7 +7546,6 @@
             <a:pPr algn="r"/>
             <a:r>
               <a:rPr lang="en-AT" sz="2800" b="1" dirty="0">
-                <a:latin typeface="Times New Roman" panose="02020603050405020304" pitchFamily="18" charset="0"/>
                 <a:cs typeface="Times New Roman" panose="02020603050405020304" pitchFamily="18" charset="0"/>
               </a:rPr>
               <a:t>Discord Bot</a:t>
@@ -7522,8 +7567,8 @@
         </p:nvSpPr>
         <p:spPr>
           <a:xfrm>
-            <a:off x="8657027" y="4130788"/>
-            <a:ext cx="1782860" cy="523220"/>
+            <a:off x="8756413" y="4130788"/>
+            <a:ext cx="1683474" cy="523220"/>
           </a:xfrm>
           <a:prstGeom prst="rect">
             <a:avLst/>
@@ -7539,21 +7584,18 @@
             <a:pPr algn="r"/>
             <a:r>
               <a:rPr lang="en-AT" sz="2800" b="1" dirty="0">
-                <a:latin typeface="Times New Roman" panose="02020603050405020304" pitchFamily="18" charset="0"/>
                 <a:cs typeface="Times New Roman" panose="02020603050405020304" pitchFamily="18" charset="0"/>
               </a:rPr>
               <a:t>N</a:t>
             </a:r>
             <a:r>
               <a:rPr lang="en-GB" sz="2800" b="1" dirty="0">
-                <a:latin typeface="Times New Roman" panose="02020603050405020304" pitchFamily="18" charset="0"/>
                 <a:cs typeface="Times New Roman" panose="02020603050405020304" pitchFamily="18" charset="0"/>
               </a:rPr>
               <a:t>o</a:t>
             </a:r>
             <a:r>
               <a:rPr lang="en-AT" sz="2800" b="1" dirty="0">
-                <a:latin typeface="Times New Roman" panose="02020603050405020304" pitchFamily="18" charset="0"/>
                 <a:cs typeface="Times New Roman" panose="02020603050405020304" pitchFamily="18" charset="0"/>
               </a:rPr>
               <a:t>tiz-App</a:t>
@@ -8102,8 +8144,8 @@
         </p:nvSpPr>
         <p:spPr>
           <a:xfrm>
-            <a:off x="3720989" y="4661842"/>
-            <a:ext cx="4750018" cy="1200329"/>
+            <a:off x="4178293" y="4661842"/>
+            <a:ext cx="3835410" cy="1200329"/>
           </a:xfrm>
           <a:prstGeom prst="rect">
             <a:avLst/>
@@ -8119,7 +8161,6 @@
             <a:pPr algn="ctr"/>
             <a:r>
               <a:rPr lang="en-AT" sz="3600" b="1" dirty="0">
-                <a:latin typeface="Times New Roman" panose="02020603050405020304" pitchFamily="18" charset="0"/>
                 <a:cs typeface="Times New Roman" panose="02020603050405020304" pitchFamily="18" charset="0"/>
               </a:rPr>
               <a:t>DANKE FÜR EURE </a:t>
@@ -8129,7 +8170,6 @@
             <a:pPr algn="ctr"/>
             <a:r>
               <a:rPr lang="en-AT" sz="3600" b="1" dirty="0">
-                <a:latin typeface="Times New Roman" panose="02020603050405020304" pitchFamily="18" charset="0"/>
                 <a:cs typeface="Times New Roman" panose="02020603050405020304" pitchFamily="18" charset="0"/>
               </a:rPr>
               <a:t>AUFMERKSAMKEIT</a:t>
